--- a/Doc/SW structure.pptx
+++ b/Doc/SW structure.pptx
@@ -4,6 +4,9 @@
   <p:sldMasterIdLst>
     <p:sldMasterId id="2147483648" r:id="rId1"/>
   </p:sldMasterIdLst>
+  <p:sldIdLst>
+    <p:sldId id="256" r:id="rId2"/>
+  </p:sldIdLst>
   <p:sldSz cx="9144000" cy="6858000" type="screen4x3"/>
   <p:notesSz cx="6858000" cy="9144000"/>
   <p:defaultTextStyle>
@@ -286,7 +289,7 @@
             <a:fld id="{1D8BD707-D9CF-40AE-B4C6-C98DA3205C09}" type="datetimeFigureOut">
               <a:rPr lang="en-US" smtClean="0"/>
               <a:pPr/>
-              <a:t>9/18/2006</a:t>
+              <a:t>7/18/2019</a:t>
             </a:fld>
             <a:endParaRPr lang="en-US"/>
           </a:p>
@@ -453,7 +456,7 @@
             <a:fld id="{1D8BD707-D9CF-40AE-B4C6-C98DA3205C09}" type="datetimeFigureOut">
               <a:rPr lang="en-US" smtClean="0"/>
               <a:pPr/>
-              <a:t>9/18/2006</a:t>
+              <a:t>7/18/2019</a:t>
             </a:fld>
             <a:endParaRPr lang="en-US"/>
           </a:p>
@@ -630,7 +633,7 @@
             <a:fld id="{1D8BD707-D9CF-40AE-B4C6-C98DA3205C09}" type="datetimeFigureOut">
               <a:rPr lang="en-US" smtClean="0"/>
               <a:pPr/>
-              <a:t>9/18/2006</a:t>
+              <a:t>7/18/2019</a:t>
             </a:fld>
             <a:endParaRPr lang="en-US"/>
           </a:p>
@@ -797,7 +800,7 @@
             <a:fld id="{1D8BD707-D9CF-40AE-B4C6-C98DA3205C09}" type="datetimeFigureOut">
               <a:rPr lang="en-US" smtClean="0"/>
               <a:pPr/>
-              <a:t>9/18/2006</a:t>
+              <a:t>7/18/2019</a:t>
             </a:fld>
             <a:endParaRPr lang="en-US"/>
           </a:p>
@@ -1040,7 +1043,7 @@
             <a:fld id="{1D8BD707-D9CF-40AE-B4C6-C98DA3205C09}" type="datetimeFigureOut">
               <a:rPr lang="en-US" smtClean="0"/>
               <a:pPr/>
-              <a:t>9/18/2006</a:t>
+              <a:t>7/18/2019</a:t>
             </a:fld>
             <a:endParaRPr lang="en-US"/>
           </a:p>
@@ -1325,7 +1328,7 @@
             <a:fld id="{1D8BD707-D9CF-40AE-B4C6-C98DA3205C09}" type="datetimeFigureOut">
               <a:rPr lang="en-US" smtClean="0"/>
               <a:pPr/>
-              <a:t>9/18/2006</a:t>
+              <a:t>7/18/2019</a:t>
             </a:fld>
             <a:endParaRPr lang="en-US"/>
           </a:p>
@@ -1744,7 +1747,7 @@
             <a:fld id="{1D8BD707-D9CF-40AE-B4C6-C98DA3205C09}" type="datetimeFigureOut">
               <a:rPr lang="en-US" smtClean="0"/>
               <a:pPr/>
-              <a:t>9/18/2006</a:t>
+              <a:t>7/18/2019</a:t>
             </a:fld>
             <a:endParaRPr lang="en-US"/>
           </a:p>
@@ -1859,7 +1862,7 @@
             <a:fld id="{1D8BD707-D9CF-40AE-B4C6-C98DA3205C09}" type="datetimeFigureOut">
               <a:rPr lang="en-US" smtClean="0"/>
               <a:pPr/>
-              <a:t>9/18/2006</a:t>
+              <a:t>7/18/2019</a:t>
             </a:fld>
             <a:endParaRPr lang="en-US"/>
           </a:p>
@@ -1951,7 +1954,7 @@
             <a:fld id="{1D8BD707-D9CF-40AE-B4C6-C98DA3205C09}" type="datetimeFigureOut">
               <a:rPr lang="en-US" smtClean="0"/>
               <a:pPr/>
-              <a:t>9/18/2006</a:t>
+              <a:t>7/18/2019</a:t>
             </a:fld>
             <a:endParaRPr lang="en-US"/>
           </a:p>
@@ -2225,7 +2228,7 @@
             <a:fld id="{1D8BD707-D9CF-40AE-B4C6-C98DA3205C09}" type="datetimeFigureOut">
               <a:rPr lang="en-US" smtClean="0"/>
               <a:pPr/>
-              <a:t>9/18/2006</a:t>
+              <a:t>7/18/2019</a:t>
             </a:fld>
             <a:endParaRPr lang="en-US"/>
           </a:p>
@@ -2475,7 +2478,7 @@
             <a:fld id="{1D8BD707-D9CF-40AE-B4C6-C98DA3205C09}" type="datetimeFigureOut">
               <a:rPr lang="en-US" smtClean="0"/>
               <a:pPr/>
-              <a:t>9/18/2006</a:t>
+              <a:t>7/18/2019</a:t>
             </a:fld>
             <a:endParaRPr lang="en-US"/>
           </a:p>
@@ -2685,7 +2688,7 @@
             <a:fld id="{1D8BD707-D9CF-40AE-B4C6-C98DA3205C09}" type="datetimeFigureOut">
               <a:rPr lang="en-US" smtClean="0"/>
               <a:pPr/>
-              <a:t>9/18/2006</a:t>
+              <a:t>7/18/2019</a:t>
             </a:fld>
             <a:endParaRPr lang="en-US"/>
           </a:p>
@@ -3037,6 +3040,787 @@
     </p:otherStyle>
   </p:txStyles>
 </p:sldMaster>
+</file>
+
+<file path=ppt/slides/slide1.xml><?xml version="1.0" encoding="utf-8"?>
+<p:sld xmlns:a="http://schemas.openxmlformats.org/drawingml/2006/main" xmlns:r="http://schemas.openxmlformats.org/officeDocument/2006/relationships" xmlns:p="http://schemas.openxmlformats.org/presentationml/2006/main">
+  <p:cSld>
+    <p:spTree>
+      <p:nvGrpSpPr>
+        <p:cNvPr id="1" name=""/>
+        <p:cNvGrpSpPr/>
+        <p:nvPr/>
+      </p:nvGrpSpPr>
+      <p:grpSpPr>
+        <a:xfrm>
+          <a:off x="0" y="0"/>
+          <a:ext cx="0" cy="0"/>
+          <a:chOff x="0" y="0"/>
+          <a:chExt cx="0" cy="0"/>
+        </a:xfrm>
+      </p:grpSpPr>
+      <p:sp>
+        <p:nvSpPr>
+          <p:cNvPr id="4" name="Rectangle 3"/>
+          <p:cNvSpPr/>
+          <p:nvPr/>
+        </p:nvSpPr>
+        <p:spPr>
+          <a:xfrm>
+            <a:off x="2819400" y="6019800"/>
+            <a:ext cx="3581400" cy="533400"/>
+          </a:xfrm>
+          <a:prstGeom prst="rect">
+            <a:avLst/>
+          </a:prstGeom>
+        </p:spPr>
+        <p:style>
+          <a:lnRef idx="2">
+            <a:schemeClr val="accent1">
+              <a:shade val="50000"/>
+            </a:schemeClr>
+          </a:lnRef>
+          <a:fillRef idx="1">
+            <a:schemeClr val="accent1"/>
+          </a:fillRef>
+          <a:effectRef idx="0">
+            <a:schemeClr val="accent1"/>
+          </a:effectRef>
+          <a:fontRef idx="minor">
+            <a:schemeClr val="lt1"/>
+          </a:fontRef>
+        </p:style>
+        <p:txBody>
+          <a:bodyPr rtlCol="0" anchor="ctr"/>
+          <a:lstStyle/>
+          <a:p>
+            <a:pPr algn="ctr"/>
+            <a:r>
+              <a:rPr lang="en-US" altLang="zh-CN" dirty="0" smtClean="0"/>
+              <a:t>Database</a:t>
+            </a:r>
+            <a:endParaRPr lang="en-US" dirty="0"/>
+          </a:p>
+        </p:txBody>
+      </p:sp>
+      <p:sp>
+        <p:nvSpPr>
+          <p:cNvPr id="5" name="Rectangle 4"/>
+          <p:cNvSpPr/>
+          <p:nvPr/>
+        </p:nvSpPr>
+        <p:spPr>
+          <a:xfrm>
+            <a:off x="2819400" y="5334000"/>
+            <a:ext cx="3581400" cy="533400"/>
+          </a:xfrm>
+          <a:prstGeom prst="rect">
+            <a:avLst/>
+          </a:prstGeom>
+        </p:spPr>
+        <p:style>
+          <a:lnRef idx="2">
+            <a:schemeClr val="accent1">
+              <a:shade val="50000"/>
+            </a:schemeClr>
+          </a:lnRef>
+          <a:fillRef idx="1">
+            <a:schemeClr val="accent1"/>
+          </a:fillRef>
+          <a:effectRef idx="0">
+            <a:schemeClr val="accent1"/>
+          </a:effectRef>
+          <a:fontRef idx="minor">
+            <a:schemeClr val="lt1"/>
+          </a:fontRef>
+        </p:style>
+        <p:txBody>
+          <a:bodyPr rtlCol="0" anchor="ctr"/>
+          <a:lstStyle/>
+          <a:p>
+            <a:pPr algn="ctr"/>
+            <a:r>
+              <a:rPr lang="en-US" altLang="zh-CN" dirty="0" smtClean="0"/>
+              <a:t>ORM</a:t>
+            </a:r>
+            <a:endParaRPr lang="en-US" dirty="0"/>
+          </a:p>
+        </p:txBody>
+      </p:sp>
+      <p:sp>
+        <p:nvSpPr>
+          <p:cNvPr id="6" name="Rectangle 5"/>
+          <p:cNvSpPr/>
+          <p:nvPr/>
+        </p:nvSpPr>
+        <p:spPr>
+          <a:xfrm>
+            <a:off x="1447800" y="4572000"/>
+            <a:ext cx="6248400" cy="533400"/>
+          </a:xfrm>
+          <a:prstGeom prst="rect">
+            <a:avLst/>
+          </a:prstGeom>
+        </p:spPr>
+        <p:style>
+          <a:lnRef idx="2">
+            <a:schemeClr val="accent1">
+              <a:shade val="50000"/>
+            </a:schemeClr>
+          </a:lnRef>
+          <a:fillRef idx="1">
+            <a:schemeClr val="accent1"/>
+          </a:fillRef>
+          <a:effectRef idx="0">
+            <a:schemeClr val="accent1"/>
+          </a:effectRef>
+          <a:fontRef idx="minor">
+            <a:schemeClr val="lt1"/>
+          </a:fontRef>
+        </p:style>
+        <p:txBody>
+          <a:bodyPr rtlCol="0" anchor="ctr"/>
+          <a:lstStyle/>
+          <a:p>
+            <a:pPr algn="ctr"/>
+            <a:r>
+              <a:rPr lang="en-US" altLang="zh-CN" dirty="0" smtClean="0"/>
+              <a:t>Repositories</a:t>
+            </a:r>
+            <a:endParaRPr lang="en-US" dirty="0"/>
+          </a:p>
+        </p:txBody>
+      </p:sp>
+      <p:sp>
+        <p:nvSpPr>
+          <p:cNvPr id="7" name="Rectangle 6"/>
+          <p:cNvSpPr/>
+          <p:nvPr/>
+        </p:nvSpPr>
+        <p:spPr>
+          <a:xfrm>
+            <a:off x="1447800" y="4191000"/>
+            <a:ext cx="1219200" cy="381000"/>
+          </a:xfrm>
+          <a:prstGeom prst="rect">
+            <a:avLst/>
+          </a:prstGeom>
+        </p:spPr>
+        <p:style>
+          <a:lnRef idx="2">
+            <a:schemeClr val="accent1">
+              <a:shade val="50000"/>
+            </a:schemeClr>
+          </a:lnRef>
+          <a:fillRef idx="1">
+            <a:schemeClr val="accent1"/>
+          </a:fillRef>
+          <a:effectRef idx="0">
+            <a:schemeClr val="accent1"/>
+          </a:effectRef>
+          <a:fontRef idx="minor">
+            <a:schemeClr val="lt1"/>
+          </a:fontRef>
+        </p:style>
+        <p:txBody>
+          <a:bodyPr rtlCol="0" anchor="ctr"/>
+          <a:lstStyle/>
+          <a:p>
+            <a:pPr algn="ctr"/>
+            <a:r>
+              <a:rPr lang="en-US" sz="1200" dirty="0" smtClean="0"/>
+              <a:t>Battery Types</a:t>
+            </a:r>
+            <a:endParaRPr lang="en-US" sz="1200" dirty="0"/>
+          </a:p>
+        </p:txBody>
+      </p:sp>
+      <p:sp>
+        <p:nvSpPr>
+          <p:cNvPr id="8" name="Rectangle 7"/>
+          <p:cNvSpPr/>
+          <p:nvPr/>
+        </p:nvSpPr>
+        <p:spPr>
+          <a:xfrm>
+            <a:off x="2667000" y="4191000"/>
+            <a:ext cx="1219200" cy="381000"/>
+          </a:xfrm>
+          <a:prstGeom prst="rect">
+            <a:avLst/>
+          </a:prstGeom>
+        </p:spPr>
+        <p:style>
+          <a:lnRef idx="2">
+            <a:schemeClr val="accent1">
+              <a:shade val="50000"/>
+            </a:schemeClr>
+          </a:lnRef>
+          <a:fillRef idx="1">
+            <a:schemeClr val="accent1"/>
+          </a:fillRef>
+          <a:effectRef idx="0">
+            <a:schemeClr val="accent1"/>
+          </a:effectRef>
+          <a:fontRef idx="minor">
+            <a:schemeClr val="lt1"/>
+          </a:fontRef>
+        </p:style>
+        <p:txBody>
+          <a:bodyPr rtlCol="0" anchor="ctr"/>
+          <a:lstStyle/>
+          <a:p>
+            <a:pPr algn="ctr"/>
+            <a:r>
+              <a:rPr lang="en-US" sz="1200" dirty="0" smtClean="0"/>
+              <a:t>Batteries</a:t>
+            </a:r>
+            <a:endParaRPr lang="en-US" sz="1200" dirty="0"/>
+          </a:p>
+        </p:txBody>
+      </p:sp>
+      <p:sp>
+        <p:nvSpPr>
+          <p:cNvPr id="9" name="Rectangle 8"/>
+          <p:cNvSpPr/>
+          <p:nvPr/>
+        </p:nvSpPr>
+        <p:spPr>
+          <a:xfrm>
+            <a:off x="3886200" y="4191000"/>
+            <a:ext cx="1219200" cy="381000"/>
+          </a:xfrm>
+          <a:prstGeom prst="rect">
+            <a:avLst/>
+          </a:prstGeom>
+        </p:spPr>
+        <p:style>
+          <a:lnRef idx="2">
+            <a:schemeClr val="accent1">
+              <a:shade val="50000"/>
+            </a:schemeClr>
+          </a:lnRef>
+          <a:fillRef idx="1">
+            <a:schemeClr val="accent1"/>
+          </a:fillRef>
+          <a:effectRef idx="0">
+            <a:schemeClr val="accent1"/>
+          </a:effectRef>
+          <a:fontRef idx="minor">
+            <a:schemeClr val="lt1"/>
+          </a:fontRef>
+        </p:style>
+        <p:txBody>
+          <a:bodyPr rtlCol="0" anchor="ctr"/>
+          <a:lstStyle/>
+          <a:p>
+            <a:pPr algn="ctr"/>
+            <a:r>
+              <a:rPr lang="en-US" sz="1200" dirty="0" smtClean="0"/>
+              <a:t>…</a:t>
+            </a:r>
+            <a:endParaRPr lang="en-US" sz="1200" dirty="0"/>
+          </a:p>
+        </p:txBody>
+      </p:sp>
+      <p:sp>
+        <p:nvSpPr>
+          <p:cNvPr id="10" name="Rectangle 9"/>
+          <p:cNvSpPr/>
+          <p:nvPr/>
+        </p:nvSpPr>
+        <p:spPr>
+          <a:xfrm>
+            <a:off x="5105400" y="4191000"/>
+            <a:ext cx="1219200" cy="381000"/>
+          </a:xfrm>
+          <a:prstGeom prst="rect">
+            <a:avLst/>
+          </a:prstGeom>
+        </p:spPr>
+        <p:style>
+          <a:lnRef idx="2">
+            <a:schemeClr val="accent1">
+              <a:shade val="50000"/>
+            </a:schemeClr>
+          </a:lnRef>
+          <a:fillRef idx="1">
+            <a:schemeClr val="accent1"/>
+          </a:fillRef>
+          <a:effectRef idx="0">
+            <a:schemeClr val="accent1"/>
+          </a:effectRef>
+          <a:fontRef idx="minor">
+            <a:schemeClr val="lt1"/>
+          </a:fontRef>
+        </p:style>
+        <p:txBody>
+          <a:bodyPr rtlCol="0" anchor="ctr"/>
+          <a:lstStyle/>
+          <a:p>
+            <a:pPr algn="ctr"/>
+            <a:r>
+              <a:rPr lang="en-US" sz="1200" dirty="0" smtClean="0"/>
+              <a:t>Programs</a:t>
+            </a:r>
+            <a:endParaRPr lang="en-US" sz="1200" dirty="0"/>
+          </a:p>
+        </p:txBody>
+      </p:sp>
+      <p:sp>
+        <p:nvSpPr>
+          <p:cNvPr id="11" name="Rectangle 10"/>
+          <p:cNvSpPr/>
+          <p:nvPr/>
+        </p:nvSpPr>
+        <p:spPr>
+          <a:xfrm>
+            <a:off x="6324600" y="4191000"/>
+            <a:ext cx="1371600" cy="381000"/>
+          </a:xfrm>
+          <a:prstGeom prst="rect">
+            <a:avLst/>
+          </a:prstGeom>
+        </p:spPr>
+        <p:style>
+          <a:lnRef idx="2">
+            <a:schemeClr val="accent1">
+              <a:shade val="50000"/>
+            </a:schemeClr>
+          </a:lnRef>
+          <a:fillRef idx="1">
+            <a:schemeClr val="accent1"/>
+          </a:fillRef>
+          <a:effectRef idx="0">
+            <a:schemeClr val="accent1"/>
+          </a:effectRef>
+          <a:fontRef idx="minor">
+            <a:schemeClr val="lt1"/>
+          </a:fontRef>
+        </p:style>
+        <p:txBody>
+          <a:bodyPr rtlCol="0" anchor="ctr"/>
+          <a:lstStyle/>
+          <a:p>
+            <a:pPr algn="ctr"/>
+            <a:r>
+              <a:rPr lang="en-US" sz="1200" dirty="0" err="1" smtClean="0"/>
+              <a:t>SubPrograms</a:t>
+            </a:r>
+            <a:endParaRPr lang="en-US" sz="1200" dirty="0"/>
+          </a:p>
+        </p:txBody>
+      </p:sp>
+      <p:sp>
+        <p:nvSpPr>
+          <p:cNvPr id="12" name="TextBox 11"/>
+          <p:cNvSpPr txBox="1"/>
+          <p:nvPr/>
+        </p:nvSpPr>
+        <p:spPr>
+          <a:xfrm>
+            <a:off x="304800" y="4267200"/>
+            <a:ext cx="793807" cy="369332"/>
+          </a:xfrm>
+          <a:prstGeom prst="rect">
+            <a:avLst/>
+          </a:prstGeom>
+          <a:noFill/>
+        </p:spPr>
+        <p:txBody>
+          <a:bodyPr wrap="none" rtlCol="0">
+            <a:spAutoFit/>
+          </a:bodyPr>
+          <a:lstStyle/>
+          <a:p>
+            <a:r>
+              <a:rPr lang="en-US" dirty="0" smtClean="0"/>
+              <a:t>Model</a:t>
+            </a:r>
+            <a:endParaRPr lang="en-US" dirty="0"/>
+          </a:p>
+        </p:txBody>
+      </p:sp>
+      <p:sp>
+        <p:nvSpPr>
+          <p:cNvPr id="13" name="TextBox 12"/>
+          <p:cNvSpPr txBox="1"/>
+          <p:nvPr/>
+        </p:nvSpPr>
+        <p:spPr>
+          <a:xfrm>
+            <a:off x="304800" y="5943600"/>
+            <a:ext cx="1297022" cy="369332"/>
+          </a:xfrm>
+          <a:prstGeom prst="rect">
+            <a:avLst/>
+          </a:prstGeom>
+          <a:noFill/>
+        </p:spPr>
+        <p:txBody>
+          <a:bodyPr wrap="none" rtlCol="0">
+            <a:spAutoFit/>
+          </a:bodyPr>
+          <a:lstStyle/>
+          <a:p>
+            <a:r>
+              <a:rPr lang="en-US" dirty="0" smtClean="0"/>
+              <a:t>Data Access</a:t>
+            </a:r>
+            <a:endParaRPr lang="en-US" dirty="0"/>
+          </a:p>
+        </p:txBody>
+      </p:sp>
+      <p:sp>
+        <p:nvSpPr>
+          <p:cNvPr id="14" name="Rectangle 13"/>
+          <p:cNvSpPr/>
+          <p:nvPr/>
+        </p:nvSpPr>
+        <p:spPr>
+          <a:xfrm>
+            <a:off x="1447800" y="533400"/>
+            <a:ext cx="1219200" cy="381000"/>
+          </a:xfrm>
+          <a:prstGeom prst="rect">
+            <a:avLst/>
+          </a:prstGeom>
+        </p:spPr>
+        <p:style>
+          <a:lnRef idx="2">
+            <a:schemeClr val="accent1">
+              <a:shade val="50000"/>
+            </a:schemeClr>
+          </a:lnRef>
+          <a:fillRef idx="1">
+            <a:schemeClr val="accent1"/>
+          </a:fillRef>
+          <a:effectRef idx="0">
+            <a:schemeClr val="accent1"/>
+          </a:effectRef>
+          <a:fontRef idx="minor">
+            <a:schemeClr val="lt1"/>
+          </a:fontRef>
+        </p:style>
+        <p:txBody>
+          <a:bodyPr rtlCol="0" anchor="ctr"/>
+          <a:lstStyle/>
+          <a:p>
+            <a:pPr algn="ctr"/>
+            <a:r>
+              <a:rPr lang="en-US" sz="1200" dirty="0" smtClean="0"/>
+              <a:t>Battery Types</a:t>
+            </a:r>
+            <a:endParaRPr lang="en-US" sz="1200" dirty="0"/>
+          </a:p>
+        </p:txBody>
+      </p:sp>
+      <p:sp>
+        <p:nvSpPr>
+          <p:cNvPr id="15" name="TextBox 14"/>
+          <p:cNvSpPr txBox="1"/>
+          <p:nvPr/>
+        </p:nvSpPr>
+        <p:spPr>
+          <a:xfrm>
+            <a:off x="304800" y="2667000"/>
+            <a:ext cx="1310423" cy="369332"/>
+          </a:xfrm>
+          <a:prstGeom prst="rect">
+            <a:avLst/>
+          </a:prstGeom>
+          <a:noFill/>
+        </p:spPr>
+        <p:txBody>
+          <a:bodyPr wrap="none" rtlCol="0">
+            <a:spAutoFit/>
+          </a:bodyPr>
+          <a:lstStyle/>
+          <a:p>
+            <a:r>
+              <a:rPr lang="en-US" dirty="0" smtClean="0"/>
+              <a:t>View Model</a:t>
+            </a:r>
+            <a:endParaRPr lang="en-US" dirty="0"/>
+          </a:p>
+        </p:txBody>
+      </p:sp>
+      <p:sp>
+        <p:nvSpPr>
+          <p:cNvPr id="16" name="TextBox 15"/>
+          <p:cNvSpPr txBox="1"/>
+          <p:nvPr/>
+        </p:nvSpPr>
+        <p:spPr>
+          <a:xfrm>
+            <a:off x="457200" y="533400"/>
+            <a:ext cx="648383" cy="369332"/>
+          </a:xfrm>
+          <a:prstGeom prst="rect">
+            <a:avLst/>
+          </a:prstGeom>
+          <a:noFill/>
+        </p:spPr>
+        <p:txBody>
+          <a:bodyPr wrap="none" rtlCol="0">
+            <a:spAutoFit/>
+          </a:bodyPr>
+          <a:lstStyle/>
+          <a:p>
+            <a:r>
+              <a:rPr lang="en-US" dirty="0" smtClean="0"/>
+              <a:t>View</a:t>
+            </a:r>
+            <a:endParaRPr lang="en-US" dirty="0"/>
+          </a:p>
+        </p:txBody>
+      </p:sp>
+      <p:sp>
+        <p:nvSpPr>
+          <p:cNvPr id="17" name="Rectangle 16"/>
+          <p:cNvSpPr/>
+          <p:nvPr/>
+        </p:nvSpPr>
+        <p:spPr>
+          <a:xfrm>
+            <a:off x="1524000" y="2667000"/>
+            <a:ext cx="1219200" cy="381000"/>
+          </a:xfrm>
+          <a:prstGeom prst="rect">
+            <a:avLst/>
+          </a:prstGeom>
+        </p:spPr>
+        <p:style>
+          <a:lnRef idx="2">
+            <a:schemeClr val="accent1">
+              <a:shade val="50000"/>
+            </a:schemeClr>
+          </a:lnRef>
+          <a:fillRef idx="1">
+            <a:schemeClr val="accent1"/>
+          </a:fillRef>
+          <a:effectRef idx="0">
+            <a:schemeClr val="accent1"/>
+          </a:effectRef>
+          <a:fontRef idx="minor">
+            <a:schemeClr val="lt1"/>
+          </a:fontRef>
+        </p:style>
+        <p:txBody>
+          <a:bodyPr rtlCol="0" anchor="ctr"/>
+          <a:lstStyle/>
+          <a:p>
+            <a:pPr algn="ctr"/>
+            <a:r>
+              <a:rPr lang="en-US" sz="1200" dirty="0" smtClean="0"/>
+              <a:t>Battery Types</a:t>
+            </a:r>
+            <a:endParaRPr lang="en-US" sz="1200" dirty="0"/>
+          </a:p>
+        </p:txBody>
+      </p:sp>
+      <p:sp>
+        <p:nvSpPr>
+          <p:cNvPr id="18" name="Up-Down Arrow 17"/>
+          <p:cNvSpPr/>
+          <p:nvPr/>
+        </p:nvSpPr>
+        <p:spPr>
+          <a:xfrm>
+            <a:off x="2057400" y="990600"/>
+            <a:ext cx="152400" cy="1600200"/>
+          </a:xfrm>
+          <a:prstGeom prst="upDownArrow">
+            <a:avLst/>
+          </a:prstGeom>
+        </p:spPr>
+        <p:style>
+          <a:lnRef idx="2">
+            <a:schemeClr val="accent1">
+              <a:shade val="50000"/>
+            </a:schemeClr>
+          </a:lnRef>
+          <a:fillRef idx="1">
+            <a:schemeClr val="accent1"/>
+          </a:fillRef>
+          <a:effectRef idx="0">
+            <a:schemeClr val="accent1"/>
+          </a:effectRef>
+          <a:fontRef idx="minor">
+            <a:schemeClr val="lt1"/>
+          </a:fontRef>
+        </p:style>
+        <p:txBody>
+          <a:bodyPr rtlCol="0" anchor="ctr"/>
+          <a:lstStyle/>
+          <a:p>
+            <a:pPr algn="ctr"/>
+            <a:endParaRPr lang="en-US"/>
+          </a:p>
+        </p:txBody>
+      </p:sp>
+      <p:sp>
+        <p:nvSpPr>
+          <p:cNvPr id="19" name="TextBox 18"/>
+          <p:cNvSpPr txBox="1"/>
+          <p:nvPr/>
+        </p:nvSpPr>
+        <p:spPr>
+          <a:xfrm>
+            <a:off x="1143000" y="1524000"/>
+            <a:ext cx="976486" cy="276999"/>
+          </a:xfrm>
+          <a:prstGeom prst="rect">
+            <a:avLst/>
+          </a:prstGeom>
+          <a:noFill/>
+        </p:spPr>
+        <p:txBody>
+          <a:bodyPr wrap="none" rtlCol="0">
+            <a:spAutoFit/>
+          </a:bodyPr>
+          <a:lstStyle/>
+          <a:p>
+            <a:r>
+              <a:rPr lang="en-US" sz="1200" dirty="0" smtClean="0"/>
+              <a:t>Data Binding</a:t>
+            </a:r>
+            <a:endParaRPr lang="en-US" sz="1200" dirty="0"/>
+          </a:p>
+        </p:txBody>
+      </p:sp>
+      <p:cxnSp>
+        <p:nvCxnSpPr>
+          <p:cNvPr id="21" name="Straight Arrow Connector 20"/>
+          <p:cNvCxnSpPr/>
+          <p:nvPr/>
+        </p:nvCxnSpPr>
+        <p:spPr>
+          <a:xfrm>
+            <a:off x="1981200" y="3124200"/>
+            <a:ext cx="0" cy="914400"/>
+          </a:xfrm>
+          <a:prstGeom prst="straightConnector1">
+            <a:avLst/>
+          </a:prstGeom>
+          <a:ln>
+            <a:tailEnd type="arrow"/>
+          </a:ln>
+        </p:spPr>
+        <p:style>
+          <a:lnRef idx="1">
+            <a:schemeClr val="accent1"/>
+          </a:lnRef>
+          <a:fillRef idx="0">
+            <a:schemeClr val="accent1"/>
+          </a:fillRef>
+          <a:effectRef idx="0">
+            <a:schemeClr val="accent1"/>
+          </a:effectRef>
+          <a:fontRef idx="minor">
+            <a:schemeClr val="tx1"/>
+          </a:fontRef>
+        </p:style>
+      </p:cxnSp>
+      <p:cxnSp>
+        <p:nvCxnSpPr>
+          <p:cNvPr id="22" name="Straight Arrow Connector 21"/>
+          <p:cNvCxnSpPr/>
+          <p:nvPr/>
+        </p:nvCxnSpPr>
+        <p:spPr>
+          <a:xfrm flipV="1">
+            <a:off x="2286000" y="3124200"/>
+            <a:ext cx="0" cy="914400"/>
+          </a:xfrm>
+          <a:prstGeom prst="straightConnector1">
+            <a:avLst/>
+          </a:prstGeom>
+          <a:ln>
+            <a:tailEnd type="arrow"/>
+          </a:ln>
+        </p:spPr>
+        <p:style>
+          <a:lnRef idx="1">
+            <a:schemeClr val="accent1"/>
+          </a:lnRef>
+          <a:fillRef idx="0">
+            <a:schemeClr val="accent1"/>
+          </a:fillRef>
+          <a:effectRef idx="0">
+            <a:schemeClr val="accent1"/>
+          </a:effectRef>
+          <a:fontRef idx="minor">
+            <a:schemeClr val="tx1"/>
+          </a:fontRef>
+        </p:style>
+      </p:cxnSp>
+      <p:sp>
+        <p:nvSpPr>
+          <p:cNvPr id="26" name="TextBox 25"/>
+          <p:cNvSpPr txBox="1"/>
+          <p:nvPr/>
+        </p:nvSpPr>
+        <p:spPr>
+          <a:xfrm>
+            <a:off x="1600200" y="3429000"/>
+            <a:ext cx="382605" cy="276999"/>
+          </a:xfrm>
+          <a:prstGeom prst="rect">
+            <a:avLst/>
+          </a:prstGeom>
+          <a:noFill/>
+        </p:spPr>
+        <p:txBody>
+          <a:bodyPr wrap="none" rtlCol="0">
+            <a:spAutoFit/>
+          </a:bodyPr>
+          <a:lstStyle/>
+          <a:p>
+            <a:r>
+              <a:rPr lang="en-US" sz="1200" dirty="0" smtClean="0"/>
+              <a:t>Set</a:t>
+            </a:r>
+            <a:endParaRPr lang="en-US" sz="1200" dirty="0"/>
+          </a:p>
+        </p:txBody>
+      </p:sp>
+      <p:sp>
+        <p:nvSpPr>
+          <p:cNvPr id="27" name="TextBox 26"/>
+          <p:cNvSpPr txBox="1"/>
+          <p:nvPr/>
+        </p:nvSpPr>
+        <p:spPr>
+          <a:xfrm>
+            <a:off x="2286000" y="3429000"/>
+            <a:ext cx="409856" cy="276999"/>
+          </a:xfrm>
+          <a:prstGeom prst="rect">
+            <a:avLst/>
+          </a:prstGeom>
+          <a:noFill/>
+        </p:spPr>
+        <p:txBody>
+          <a:bodyPr wrap="none" rtlCol="0">
+            <a:spAutoFit/>
+          </a:bodyPr>
+          <a:lstStyle/>
+          <a:p>
+            <a:r>
+              <a:rPr lang="en-US" sz="1200" dirty="0" smtClean="0"/>
+              <a:t>Get</a:t>
+            </a:r>
+            <a:endParaRPr lang="en-US" sz="1200" dirty="0"/>
+          </a:p>
+        </p:txBody>
+      </p:sp>
+    </p:spTree>
+  </p:cSld>
+  <p:clrMapOvr>
+    <a:masterClrMapping/>
+  </p:clrMapOvr>
+</p:sld>
 </file>
 
 <file path=ppt/theme/theme1.xml><?xml version="1.0" encoding="utf-8"?>
